--- a/architecture/productBackLog 자료.pptx
+++ b/architecture/productBackLog 자료.pptx
@@ -3377,91 +3377,102 @@
           <a:bodyPr rtlCol="0" anchor="ctr"/>
           <a:lstStyle/>
           <a:p>
-            <a:endParaRPr lang="en-US" altLang="ko-KR" sz="1050" dirty="0">
+            <a:endParaRPr lang="en-US" altLang="ko-KR" sz="1500" b="1" dirty="0">
               <a:solidFill>
                 <a:schemeClr val="tx1"/>
               </a:solidFill>
+              <a:latin typeface="+mn-ea"/>
             </a:endParaRPr>
           </a:p>
           <a:p>
-            <a:endParaRPr lang="en-US" altLang="ko-KR" sz="1050" dirty="0">
+            <a:endParaRPr lang="en-US" altLang="ko-KR" sz="1500" b="1" dirty="0">
               <a:solidFill>
                 <a:schemeClr val="tx1"/>
               </a:solidFill>
+              <a:latin typeface="+mn-ea"/>
             </a:endParaRPr>
           </a:p>
           <a:p>
             <a:r>
-              <a:rPr lang="en-US" altLang="ko-KR" sz="1050" dirty="0">
-                <a:solidFill>
-                  <a:schemeClr val="tx1"/>
-                </a:solidFill>
+              <a:rPr lang="en-US" altLang="ko-KR" sz="1500" b="1" dirty="0">
+                <a:solidFill>
+                  <a:schemeClr val="tx1"/>
+                </a:solidFill>
+                <a:latin typeface="+mn-ea"/>
               </a:rPr>
               <a:t>1. </a:t>
             </a:r>
             <a:r>
-              <a:rPr lang="ko-KR" altLang="en-US" sz="1050" dirty="0">
-                <a:solidFill>
-                  <a:schemeClr val="tx1"/>
-                </a:solidFill>
+              <a:rPr lang="ko-KR" altLang="en-US" sz="1500" b="1" dirty="0">
+                <a:solidFill>
+                  <a:schemeClr val="tx1"/>
+                </a:solidFill>
+                <a:latin typeface="+mn-ea"/>
               </a:rPr>
               <a:t>하이라이트 추출 </a:t>
             </a:r>
             <a:r>
-              <a:rPr lang="en-US" altLang="ko-KR" sz="1050" dirty="0">
-                <a:solidFill>
-                  <a:schemeClr val="tx1"/>
-                </a:solidFill>
+              <a:rPr lang="en-US" altLang="ko-KR" sz="1500" b="1" dirty="0">
+                <a:solidFill>
+                  <a:schemeClr val="tx1"/>
+                </a:solidFill>
+                <a:latin typeface="+mn-ea"/>
               </a:rPr>
               <a:t>(</a:t>
             </a:r>
             <a:r>
-              <a:rPr lang="ko-KR" altLang="en-US" sz="1050" dirty="0">
-                <a:solidFill>
-                  <a:schemeClr val="tx1"/>
-                </a:solidFill>
+              <a:rPr lang="ko-KR" altLang="en-US" sz="1500" b="1" dirty="0">
+                <a:solidFill>
+                  <a:schemeClr val="tx1"/>
+                </a:solidFill>
+                <a:latin typeface="+mn-ea"/>
               </a:rPr>
               <a:t> 서브 시</a:t>
             </a:r>
             <a:r>
-              <a:rPr lang="en-US" altLang="ko-KR" sz="1050" dirty="0">
-                <a:solidFill>
-                  <a:schemeClr val="tx1"/>
-                </a:solidFill>
+              <a:rPr lang="en-US" altLang="ko-KR" sz="1500" b="1" dirty="0">
+                <a:solidFill>
+                  <a:schemeClr val="tx1"/>
+                </a:solidFill>
+                <a:latin typeface="+mn-ea"/>
               </a:rPr>
               <a:t>, </a:t>
             </a:r>
             <a:r>
-              <a:rPr lang="ko-KR" altLang="en-US" sz="1050" dirty="0">
-                <a:solidFill>
-                  <a:schemeClr val="tx1"/>
-                </a:solidFill>
+              <a:rPr lang="ko-KR" altLang="en-US" sz="1500" b="1" dirty="0">
+                <a:solidFill>
+                  <a:schemeClr val="tx1"/>
+                </a:solidFill>
+                <a:latin typeface="+mn-ea"/>
               </a:rPr>
               <a:t>공격 성공 시</a:t>
             </a:r>
             <a:r>
-              <a:rPr lang="en-US" altLang="ko-KR" sz="1050" dirty="0">
-                <a:solidFill>
-                  <a:schemeClr val="tx1"/>
-                </a:solidFill>
+              <a:rPr lang="en-US" altLang="ko-KR" sz="1500" b="1" dirty="0">
+                <a:solidFill>
+                  <a:schemeClr val="tx1"/>
+                </a:solidFill>
+                <a:latin typeface="+mn-ea"/>
               </a:rPr>
               <a:t>)</a:t>
             </a:r>
           </a:p>
           <a:p>
             <a:r>
-              <a:rPr lang="en-US" altLang="ko-KR" sz="1050" dirty="0">
-                <a:solidFill>
-                  <a:schemeClr val="tx1"/>
-                </a:solidFill>
+              <a:rPr lang="en-US" altLang="ko-KR" sz="1500" b="1" dirty="0">
+                <a:solidFill>
+                  <a:schemeClr val="tx1"/>
+                </a:solidFill>
+                <a:latin typeface="+mn-ea"/>
               </a:rPr>
               <a:t>2. </a:t>
             </a:r>
             <a:r>
-              <a:rPr lang="ko-KR" altLang="en-US" sz="1050" dirty="0">
-                <a:solidFill>
-                  <a:schemeClr val="tx1"/>
-                </a:solidFill>
+              <a:rPr lang="ko-KR" altLang="en-US" sz="1500" b="1" dirty="0">
+                <a:solidFill>
+                  <a:schemeClr val="tx1"/>
+                </a:solidFill>
+                <a:latin typeface="+mn-ea"/>
               </a:rPr>
               <a:t>득점 스코어</a:t>
             </a:r>
@@ -3518,7 +3529,9 @@
           <a:lstStyle/>
           <a:p>
             <a:pPr algn="ctr"/>
-            <a:endParaRPr lang="ko-KR" altLang="en-US" dirty="0"/>
+            <a:endParaRPr lang="ko-KR" altLang="en-US" b="1" dirty="0">
+              <a:latin typeface="+mn-ea"/>
+            </a:endParaRPr>
           </a:p>
         </p:txBody>
       </p:sp>
@@ -3575,33 +3588,37 @@
               <a:buAutoNum type="arabicPeriod"/>
             </a:pPr>
             <a:r>
-              <a:rPr lang="ko-KR" altLang="en-US" sz="1050" dirty="0">
-                <a:solidFill>
-                  <a:schemeClr val="tx1"/>
-                </a:solidFill>
+              <a:rPr lang="ko-KR" altLang="en-US" sz="1000" b="1" dirty="0">
+                <a:solidFill>
+                  <a:schemeClr val="tx1"/>
+                </a:solidFill>
+                <a:latin typeface="+mn-ea"/>
               </a:rPr>
               <a:t>선수 뒷면</a:t>
             </a:r>
             <a:r>
-              <a:rPr lang="en-US" altLang="ko-KR" sz="1050" dirty="0">
-                <a:solidFill>
-                  <a:schemeClr val="tx1"/>
-                </a:solidFill>
+              <a:rPr lang="en-US" altLang="ko-KR" sz="1000" b="1" dirty="0">
+                <a:solidFill>
+                  <a:schemeClr val="tx1"/>
+                </a:solidFill>
+                <a:latin typeface="+mn-ea"/>
               </a:rPr>
               <a:t>, Top View </a:t>
             </a:r>
             <a:r>
-              <a:rPr lang="ko-KR" altLang="en-US" sz="1050" dirty="0">
-                <a:solidFill>
-                  <a:schemeClr val="tx1"/>
-                </a:solidFill>
+              <a:rPr lang="ko-KR" altLang="en-US" sz="1000" b="1" dirty="0">
+                <a:solidFill>
+                  <a:schemeClr val="tx1"/>
+                </a:solidFill>
+                <a:latin typeface="+mn-ea"/>
               </a:rPr>
               <a:t>영상 업로드</a:t>
             </a:r>
-            <a:endParaRPr lang="en-US" altLang="ko-KR" sz="1050" dirty="0">
+            <a:endParaRPr lang="en-US" altLang="ko-KR" sz="1000" b="1" dirty="0">
               <a:solidFill>
                 <a:schemeClr val="tx1"/>
               </a:solidFill>
+              <a:latin typeface="+mn-ea"/>
             </a:endParaRPr>
           </a:p>
           <a:p>
@@ -3609,18 +3626,20 @@
               <a:buAutoNum type="arabicPeriod"/>
             </a:pPr>
             <a:r>
-              <a:rPr lang="ko-KR" altLang="en-US" sz="1050" dirty="0">
-                <a:solidFill>
-                  <a:schemeClr val="tx1"/>
-                </a:solidFill>
+              <a:rPr lang="ko-KR" altLang="en-US" sz="1000" b="1" dirty="0">
+                <a:solidFill>
+                  <a:schemeClr val="tx1"/>
+                </a:solidFill>
+                <a:latin typeface="+mn-ea"/>
               </a:rPr>
               <a:t>영상은 세트 별로 업로드한다</a:t>
             </a:r>
             <a:r>
-              <a:rPr lang="en-US" altLang="ko-KR" sz="1050" dirty="0">
-                <a:solidFill>
-                  <a:schemeClr val="tx1"/>
-                </a:solidFill>
+              <a:rPr lang="en-US" altLang="ko-KR" sz="1000" b="1" dirty="0">
+                <a:solidFill>
+                  <a:schemeClr val="tx1"/>
+                </a:solidFill>
+                <a:latin typeface="+mn-ea"/>
               </a:rPr>
               <a:t>.</a:t>
             </a:r>
@@ -3680,17 +3699,19 @@
               <a:buAutoNum type="arabicPeriod"/>
             </a:pPr>
             <a:r>
-              <a:rPr lang="ko-KR" altLang="en-US" sz="1050" dirty="0">
-                <a:solidFill>
-                  <a:schemeClr val="tx1"/>
-                </a:solidFill>
+              <a:rPr lang="ko-KR" altLang="en-US" sz="1000" b="1" dirty="0">
+                <a:solidFill>
+                  <a:schemeClr val="tx1"/>
+                </a:solidFill>
+                <a:latin typeface="+mn-ea"/>
               </a:rPr>
               <a:t>회원가입 시 선수 프로필 입력</a:t>
             </a:r>
-            <a:endParaRPr lang="en-US" altLang="ko-KR" sz="1050" dirty="0">
+            <a:endParaRPr lang="en-US" altLang="ko-KR" sz="1000" b="1" dirty="0">
               <a:solidFill>
                 <a:schemeClr val="tx1"/>
               </a:solidFill>
+              <a:latin typeface="+mn-ea"/>
             </a:endParaRPr>
           </a:p>
           <a:p>
@@ -3698,14 +3719,17 @@
               <a:buAutoNum type="arabicPeriod"/>
             </a:pPr>
             <a:r>
-              <a:rPr lang="ko-KR" altLang="en-US" sz="1050" dirty="0">
-                <a:solidFill>
-                  <a:schemeClr val="tx1"/>
-                </a:solidFill>
+              <a:rPr lang="ko-KR" altLang="en-US" sz="1000" b="1" dirty="0">
+                <a:solidFill>
+                  <a:schemeClr val="tx1"/>
+                </a:solidFill>
+                <a:latin typeface="+mn-ea"/>
               </a:rPr>
               <a:t>경기장 사이즈 입력</a:t>
             </a:r>
-            <a:endParaRPr lang="ko-KR" altLang="en-US" sz="1050" dirty="0"/>
+            <a:endParaRPr lang="ko-KR" altLang="en-US" sz="1000" b="1" dirty="0">
+              <a:latin typeface="+mn-ea"/>
+            </a:endParaRPr>
           </a:p>
         </p:txBody>
       </p:sp>
@@ -3758,223 +3782,252 @@
           <a:bodyPr rtlCol="0" anchor="ctr"/>
           <a:lstStyle/>
           <a:p>
-            <a:endParaRPr lang="en-US" altLang="ko-KR" sz="1050" dirty="0">
+            <a:endParaRPr lang="en-US" altLang="ko-KR" sz="1500" b="1" dirty="0">
               <a:solidFill>
                 <a:schemeClr val="tx1"/>
               </a:solidFill>
+              <a:latin typeface="+mn-ea"/>
             </a:endParaRPr>
           </a:p>
           <a:p>
-            <a:endParaRPr lang="en-US" altLang="ko-KR" sz="1050" dirty="0">
+            <a:endParaRPr lang="en-US" altLang="ko-KR" sz="1500" b="1" dirty="0">
               <a:solidFill>
                 <a:schemeClr val="tx1"/>
               </a:solidFill>
+              <a:latin typeface="+mn-ea"/>
             </a:endParaRPr>
           </a:p>
           <a:p>
             <a:r>
-              <a:rPr lang="en-US" altLang="ko-KR" sz="1050" dirty="0">
-                <a:solidFill>
-                  <a:schemeClr val="tx1"/>
-                </a:solidFill>
+              <a:rPr lang="en-US" altLang="ko-KR" sz="1500" b="1" dirty="0">
+                <a:solidFill>
+                  <a:schemeClr val="tx1"/>
+                </a:solidFill>
+                <a:latin typeface="+mn-ea"/>
               </a:rPr>
               <a:t>1.</a:t>
             </a:r>
             <a:r>
-              <a:rPr lang="ko-KR" altLang="en-US" sz="1050" dirty="0">
-                <a:solidFill>
-                  <a:schemeClr val="tx1"/>
-                </a:solidFill>
+              <a:rPr lang="ko-KR" altLang="en-US" sz="1500" b="1" dirty="0">
+                <a:solidFill>
+                  <a:schemeClr val="tx1"/>
+                </a:solidFill>
+                <a:latin typeface="+mn-ea"/>
               </a:rPr>
               <a:t> 공 발자취 </a:t>
             </a:r>
             <a:r>
-              <a:rPr lang="en-US" altLang="ko-KR" sz="1050" dirty="0">
-                <a:solidFill>
-                  <a:schemeClr val="tx1"/>
-                </a:solidFill>
+              <a:rPr lang="en-US" altLang="ko-KR" sz="1500" b="1" dirty="0">
+                <a:solidFill>
+                  <a:schemeClr val="tx1"/>
+                </a:solidFill>
+                <a:latin typeface="+mn-ea"/>
               </a:rPr>
               <a:t>(</a:t>
             </a:r>
             <a:r>
-              <a:rPr lang="ko-KR" altLang="en-US" sz="1050" dirty="0">
-                <a:solidFill>
-                  <a:schemeClr val="tx1"/>
-                </a:solidFill>
+              <a:rPr lang="ko-KR" altLang="en-US" sz="1500" b="1" dirty="0">
+                <a:solidFill>
+                  <a:schemeClr val="tx1"/>
+                </a:solidFill>
+                <a:latin typeface="+mn-ea"/>
               </a:rPr>
               <a:t>공 데이터 추출</a:t>
             </a:r>
             <a:r>
-              <a:rPr lang="en-US" altLang="ko-KR" sz="1050" dirty="0">
-                <a:solidFill>
-                  <a:schemeClr val="tx1"/>
-                </a:solidFill>
+              <a:rPr lang="en-US" altLang="ko-KR" sz="1500" b="1" dirty="0">
+                <a:solidFill>
+                  <a:schemeClr val="tx1"/>
+                </a:solidFill>
+                <a:latin typeface="+mn-ea"/>
               </a:rPr>
               <a:t>)</a:t>
             </a:r>
           </a:p>
           <a:p>
             <a:r>
-              <a:rPr lang="en-US" altLang="ko-KR" sz="1050" dirty="0">
-                <a:solidFill>
-                  <a:schemeClr val="tx1"/>
-                </a:solidFill>
+              <a:rPr lang="en-US" altLang="ko-KR" sz="1500" b="1" dirty="0">
+                <a:solidFill>
+                  <a:schemeClr val="tx1"/>
+                </a:solidFill>
+                <a:latin typeface="+mn-ea"/>
               </a:rPr>
               <a:t>2. </a:t>
             </a:r>
             <a:r>
-              <a:rPr lang="ko-KR" altLang="en-US" sz="1050" dirty="0">
-                <a:solidFill>
-                  <a:schemeClr val="tx1"/>
-                </a:solidFill>
+              <a:rPr lang="ko-KR" altLang="en-US" sz="1500" b="1" dirty="0">
+                <a:solidFill>
+                  <a:schemeClr val="tx1"/>
+                </a:solidFill>
+                <a:latin typeface="+mn-ea"/>
               </a:rPr>
               <a:t>공 바운드 </a:t>
             </a:r>
             <a:r>
-              <a:rPr lang="en-US" altLang="ko-KR" sz="1050" dirty="0">
-                <a:solidFill>
-                  <a:schemeClr val="tx1"/>
-                </a:solidFill>
+              <a:rPr lang="en-US" altLang="ko-KR" sz="1500" b="1" dirty="0">
+                <a:solidFill>
+                  <a:schemeClr val="tx1"/>
+                </a:solidFill>
+                <a:latin typeface="+mn-ea"/>
               </a:rPr>
               <a:t>(</a:t>
             </a:r>
             <a:r>
-              <a:rPr lang="ko-KR" altLang="en-US" sz="1050" dirty="0">
-                <a:solidFill>
-                  <a:schemeClr val="tx1"/>
-                </a:solidFill>
+              <a:rPr lang="ko-KR" altLang="en-US" sz="1500" b="1" dirty="0">
+                <a:solidFill>
+                  <a:schemeClr val="tx1"/>
+                </a:solidFill>
+                <a:latin typeface="+mn-ea"/>
               </a:rPr>
               <a:t>공 바운드 여부 확인</a:t>
             </a:r>
             <a:r>
-              <a:rPr lang="en-US" altLang="ko-KR" sz="1050" dirty="0">
-                <a:solidFill>
-                  <a:schemeClr val="tx1"/>
-                </a:solidFill>
+              <a:rPr lang="en-US" altLang="ko-KR" sz="1500" b="1" dirty="0">
+                <a:solidFill>
+                  <a:schemeClr val="tx1"/>
+                </a:solidFill>
+                <a:latin typeface="+mn-ea"/>
               </a:rPr>
               <a:t>)</a:t>
             </a:r>
           </a:p>
           <a:p>
             <a:r>
-              <a:rPr lang="en-US" altLang="ko-KR" sz="1050" dirty="0">
-                <a:solidFill>
-                  <a:schemeClr val="tx1"/>
-                </a:solidFill>
+              <a:rPr lang="en-US" altLang="ko-KR" sz="1500" b="1" dirty="0">
+                <a:solidFill>
+                  <a:schemeClr val="tx1"/>
+                </a:solidFill>
+                <a:latin typeface="+mn-ea"/>
               </a:rPr>
               <a:t>3. </a:t>
             </a:r>
             <a:r>
-              <a:rPr lang="ko-KR" altLang="en-US" sz="1050" dirty="0">
-                <a:solidFill>
-                  <a:schemeClr val="tx1"/>
-                </a:solidFill>
+              <a:rPr lang="ko-KR" altLang="en-US" sz="1500" b="1" dirty="0">
+                <a:solidFill>
+                  <a:schemeClr val="tx1"/>
+                </a:solidFill>
+                <a:latin typeface="+mn-ea"/>
               </a:rPr>
               <a:t>게임당 </a:t>
             </a:r>
             <a:r>
-              <a:rPr lang="ko-KR" altLang="en-US" sz="1050" dirty="0" err="1">
-                <a:solidFill>
-                  <a:schemeClr val="tx1"/>
-                </a:solidFill>
+              <a:rPr lang="ko-KR" altLang="en-US" sz="1500" b="1" dirty="0" err="1">
+                <a:solidFill>
+                  <a:schemeClr val="tx1"/>
+                </a:solidFill>
+                <a:latin typeface="+mn-ea"/>
               </a:rPr>
               <a:t>렐리</a:t>
             </a:r>
             <a:r>
-              <a:rPr lang="ko-KR" altLang="en-US" sz="1050" dirty="0">
-                <a:solidFill>
-                  <a:schemeClr val="tx1"/>
-                </a:solidFill>
+              <a:rPr lang="ko-KR" altLang="en-US" sz="1500" b="1" dirty="0">
+                <a:solidFill>
+                  <a:schemeClr val="tx1"/>
+                </a:solidFill>
+                <a:latin typeface="+mn-ea"/>
               </a:rPr>
               <a:t> 횟수 분석</a:t>
             </a:r>
-            <a:endParaRPr lang="en-US" altLang="ko-KR" sz="1050" dirty="0">
+            <a:endParaRPr lang="en-US" altLang="ko-KR" sz="1500" b="1" dirty="0">
               <a:solidFill>
                 <a:schemeClr val="tx1"/>
               </a:solidFill>
+              <a:latin typeface="+mn-ea"/>
             </a:endParaRPr>
           </a:p>
           <a:p>
             <a:r>
-              <a:rPr lang="en-US" altLang="ko-KR" sz="1050" dirty="0">
-                <a:solidFill>
-                  <a:schemeClr val="tx1"/>
-                </a:solidFill>
+              <a:rPr lang="en-US" altLang="ko-KR" sz="1500" b="1" dirty="0">
+                <a:solidFill>
+                  <a:schemeClr val="tx1"/>
+                </a:solidFill>
+                <a:latin typeface="+mn-ea"/>
               </a:rPr>
               <a:t>4. </a:t>
             </a:r>
             <a:r>
-              <a:rPr lang="ko-KR" altLang="en-US" sz="1050" dirty="0">
-                <a:solidFill>
-                  <a:schemeClr val="tx1"/>
-                </a:solidFill>
+              <a:rPr lang="ko-KR" altLang="en-US" sz="1500" b="1" dirty="0">
+                <a:solidFill>
+                  <a:schemeClr val="tx1"/>
+                </a:solidFill>
+                <a:latin typeface="+mn-ea"/>
               </a:rPr>
               <a:t>한 세트당 최고</a:t>
             </a:r>
             <a:r>
-              <a:rPr lang="en-US" altLang="ko-KR" sz="1050" dirty="0">
-                <a:solidFill>
-                  <a:schemeClr val="tx1"/>
-                </a:solidFill>
+              <a:rPr lang="en-US" altLang="ko-KR" sz="1500" b="1" dirty="0">
+                <a:solidFill>
+                  <a:schemeClr val="tx1"/>
+                </a:solidFill>
+                <a:latin typeface="+mn-ea"/>
               </a:rPr>
               <a:t>, </a:t>
             </a:r>
             <a:r>
-              <a:rPr lang="ko-KR" altLang="en-US" sz="1050" dirty="0">
-                <a:solidFill>
-                  <a:schemeClr val="tx1"/>
-                </a:solidFill>
+              <a:rPr lang="ko-KR" altLang="en-US" sz="1500" b="1" dirty="0">
+                <a:solidFill>
+                  <a:schemeClr val="tx1"/>
+                </a:solidFill>
+                <a:latin typeface="+mn-ea"/>
               </a:rPr>
               <a:t>최저</a:t>
             </a:r>
             <a:r>
-              <a:rPr lang="en-US" altLang="ko-KR" sz="1050" dirty="0">
-                <a:solidFill>
-                  <a:schemeClr val="tx1"/>
-                </a:solidFill>
+              <a:rPr lang="en-US" altLang="ko-KR" sz="1500" b="1" dirty="0">
+                <a:solidFill>
+                  <a:schemeClr val="tx1"/>
+                </a:solidFill>
+                <a:latin typeface="+mn-ea"/>
               </a:rPr>
               <a:t>, </a:t>
             </a:r>
             <a:r>
-              <a:rPr lang="ko-KR" altLang="en-US" sz="1050" dirty="0">
-                <a:solidFill>
-                  <a:schemeClr val="tx1"/>
-                </a:solidFill>
+              <a:rPr lang="ko-KR" altLang="en-US" sz="1500" b="1" dirty="0">
+                <a:solidFill>
+                  <a:schemeClr val="tx1"/>
+                </a:solidFill>
+                <a:latin typeface="+mn-ea"/>
               </a:rPr>
               <a:t>평균 공 속도 분석</a:t>
             </a:r>
-            <a:endParaRPr lang="en-US" altLang="ko-KR" sz="1050" dirty="0">
+            <a:endParaRPr lang="en-US" altLang="ko-KR" sz="1500" b="1" dirty="0">
               <a:solidFill>
                 <a:schemeClr val="tx1"/>
               </a:solidFill>
+              <a:latin typeface="+mn-ea"/>
             </a:endParaRPr>
           </a:p>
           <a:p>
             <a:r>
-              <a:rPr lang="en-US" altLang="ko-KR" sz="1050" dirty="0">
-                <a:solidFill>
-                  <a:schemeClr val="tx1"/>
-                </a:solidFill>
+              <a:rPr lang="en-US" altLang="ko-KR" sz="1500" b="1" dirty="0">
+                <a:solidFill>
+                  <a:schemeClr val="tx1"/>
+                </a:solidFill>
+                <a:latin typeface="+mn-ea"/>
               </a:rPr>
               <a:t>5. </a:t>
             </a:r>
             <a:r>
-              <a:rPr lang="ko-KR" altLang="en-US" sz="1050" dirty="0" err="1">
-                <a:solidFill>
-                  <a:schemeClr val="tx1"/>
-                </a:solidFill>
+              <a:rPr lang="ko-KR" altLang="en-US" sz="1500" b="1" dirty="0" err="1">
+                <a:solidFill>
+                  <a:schemeClr val="tx1"/>
+                </a:solidFill>
+                <a:latin typeface="+mn-ea"/>
               </a:rPr>
               <a:t>세트별</a:t>
             </a:r>
             <a:r>
-              <a:rPr lang="ko-KR" altLang="en-US" sz="1050" dirty="0">
-                <a:solidFill>
-                  <a:schemeClr val="tx1"/>
-                </a:solidFill>
+              <a:rPr lang="ko-KR" altLang="en-US" sz="1500" b="1" dirty="0">
+                <a:solidFill>
+                  <a:schemeClr val="tx1"/>
+                </a:solidFill>
+                <a:latin typeface="+mn-ea"/>
               </a:rPr>
               <a:t> 공격 및 서브 성공률 분석</a:t>
             </a:r>
-            <a:endParaRPr lang="ko-KR" altLang="en-US" sz="1050" dirty="0"/>
+            <a:endParaRPr lang="ko-KR" altLang="en-US" sz="1500" b="1" dirty="0">
+              <a:latin typeface="+mn-ea"/>
+            </a:endParaRPr>
           </a:p>
         </p:txBody>
       </p:sp>
@@ -4214,7 +4267,9 @@
           <a:lstStyle/>
           <a:p>
             <a:pPr algn="ctr"/>
-            <a:endParaRPr lang="ko-KR" altLang="en-US"/>
+            <a:endParaRPr lang="ko-KR" altLang="en-US" b="1">
+              <a:latin typeface="+mn-ea"/>
+            </a:endParaRPr>
           </a:p>
         </p:txBody>
       </p:sp>
@@ -4247,26 +4302,38 @@
           <a:lstStyle/>
           <a:p>
             <a:r>
-              <a:rPr lang="en-US" altLang="ko-KR" dirty="0"/>
+              <a:rPr lang="en-US" altLang="ko-KR" b="1" dirty="0">
+                <a:latin typeface="+mn-ea"/>
+              </a:rPr>
               <a:t>&lt;</a:t>
             </a:r>
             <a:r>
-              <a:rPr lang="ko-KR" altLang="en-US" dirty="0"/>
+              <a:rPr lang="ko-KR" altLang="en-US" b="1" dirty="0">
+                <a:latin typeface="+mn-ea"/>
+              </a:rPr>
               <a:t>공</a:t>
             </a:r>
             <a:r>
-              <a:rPr lang="en-US" altLang="ko-KR" dirty="0"/>
+              <a:rPr lang="en-US" altLang="ko-KR" b="1" dirty="0">
+                <a:latin typeface="+mn-ea"/>
+              </a:rPr>
               <a:t>,</a:t>
             </a:r>
             <a:r>
-              <a:rPr lang="ko-KR" altLang="en-US" dirty="0"/>
+              <a:rPr lang="ko-KR" altLang="en-US" b="1" dirty="0">
+                <a:latin typeface="+mn-ea"/>
+              </a:rPr>
               <a:t>선수 위치 분석</a:t>
             </a:r>
             <a:r>
-              <a:rPr lang="en-US" altLang="ko-KR" dirty="0"/>
+              <a:rPr lang="en-US" altLang="ko-KR" b="1" dirty="0">
+                <a:latin typeface="+mn-ea"/>
+              </a:rPr>
               <a:t>&gt;</a:t>
             </a:r>
-            <a:endParaRPr lang="ko-KR" altLang="en-US" dirty="0"/>
+            <a:endParaRPr lang="ko-KR" altLang="en-US" b="1" dirty="0">
+              <a:latin typeface="+mn-ea"/>
+            </a:endParaRPr>
           </a:p>
         </p:txBody>
       </p:sp>
@@ -4319,191 +4386,217 @@
           <a:bodyPr rtlCol="0" anchor="ctr"/>
           <a:lstStyle/>
           <a:p>
-            <a:endParaRPr lang="en-US" altLang="ko-KR" sz="1050" dirty="0">
+            <a:endParaRPr lang="en-US" altLang="ko-KR" sz="1500" b="1" dirty="0">
               <a:solidFill>
                 <a:schemeClr val="tx1"/>
               </a:solidFill>
+              <a:latin typeface="+mn-ea"/>
             </a:endParaRPr>
           </a:p>
           <a:p>
-            <a:endParaRPr lang="en-US" altLang="ko-KR" sz="1050" dirty="0">
+            <a:endParaRPr lang="en-US" altLang="ko-KR" sz="1500" b="1" dirty="0">
               <a:solidFill>
                 <a:schemeClr val="tx1"/>
               </a:solidFill>
+              <a:latin typeface="+mn-ea"/>
             </a:endParaRPr>
           </a:p>
           <a:p>
             <a:r>
-              <a:rPr lang="en-US" altLang="ko-KR" sz="1050" dirty="0">
-                <a:solidFill>
-                  <a:schemeClr val="tx1"/>
-                </a:solidFill>
+              <a:rPr lang="en-US" altLang="ko-KR" sz="1500" b="1" dirty="0">
+                <a:solidFill>
+                  <a:schemeClr val="tx1"/>
+                </a:solidFill>
+                <a:latin typeface="+mn-ea"/>
               </a:rPr>
               <a:t>1. </a:t>
             </a:r>
             <a:r>
-              <a:rPr lang="ko-KR" altLang="en-US" sz="1050" dirty="0">
-                <a:solidFill>
-                  <a:schemeClr val="tx1"/>
-                </a:solidFill>
+              <a:rPr lang="ko-KR" altLang="en-US" sz="1500" b="1" dirty="0">
+                <a:solidFill>
+                  <a:schemeClr val="tx1"/>
+                </a:solidFill>
+                <a:latin typeface="+mn-ea"/>
               </a:rPr>
               <a:t>선수 총 이동거리</a:t>
             </a:r>
-            <a:endParaRPr lang="en-US" altLang="ko-KR" sz="1050" dirty="0">
+            <a:endParaRPr lang="en-US" altLang="ko-KR" sz="1500" b="1" dirty="0">
               <a:solidFill>
                 <a:schemeClr val="tx1"/>
               </a:solidFill>
+              <a:latin typeface="+mn-ea"/>
             </a:endParaRPr>
           </a:p>
           <a:p>
             <a:r>
-              <a:rPr lang="en-US" altLang="ko-KR" sz="1050" dirty="0">
-                <a:solidFill>
-                  <a:schemeClr val="tx1"/>
-                </a:solidFill>
+              <a:rPr lang="en-US" altLang="ko-KR" sz="1500" b="1" dirty="0">
+                <a:solidFill>
+                  <a:schemeClr val="tx1"/>
+                </a:solidFill>
+                <a:latin typeface="+mn-ea"/>
               </a:rPr>
               <a:t>2. </a:t>
             </a:r>
             <a:r>
-              <a:rPr lang="ko-KR" altLang="en-US" sz="1050" dirty="0">
-                <a:solidFill>
-                  <a:schemeClr val="tx1"/>
-                </a:solidFill>
+              <a:rPr lang="ko-KR" altLang="en-US" sz="1500" b="1" dirty="0">
+                <a:solidFill>
+                  <a:schemeClr val="tx1"/>
+                </a:solidFill>
+                <a:latin typeface="+mn-ea"/>
               </a:rPr>
               <a:t>선수 이동 패턴 분석</a:t>
             </a:r>
-            <a:endParaRPr lang="en-US" altLang="ko-KR" sz="1050" dirty="0">
+            <a:endParaRPr lang="en-US" altLang="ko-KR" sz="1500" b="1" dirty="0">
               <a:solidFill>
                 <a:schemeClr val="tx1"/>
               </a:solidFill>
+              <a:latin typeface="+mn-ea"/>
             </a:endParaRPr>
           </a:p>
           <a:p>
             <a:r>
-              <a:rPr lang="en-US" altLang="ko-KR" sz="1050" dirty="0">
-                <a:solidFill>
-                  <a:schemeClr val="tx1"/>
-                </a:solidFill>
+              <a:rPr lang="en-US" altLang="ko-KR" sz="1500" b="1" dirty="0">
+                <a:solidFill>
+                  <a:schemeClr val="tx1"/>
+                </a:solidFill>
+                <a:latin typeface="+mn-ea"/>
               </a:rPr>
               <a:t>3. </a:t>
             </a:r>
             <a:r>
-              <a:rPr lang="ko-KR" altLang="en-US" sz="1050" dirty="0">
-                <a:solidFill>
-                  <a:schemeClr val="tx1"/>
-                </a:solidFill>
+              <a:rPr lang="ko-KR" altLang="en-US" sz="1500" b="1" dirty="0">
+                <a:solidFill>
+                  <a:schemeClr val="tx1"/>
+                </a:solidFill>
+                <a:latin typeface="+mn-ea"/>
               </a:rPr>
               <a:t>선수 이동 </a:t>
             </a:r>
             <a:r>
-              <a:rPr lang="ko-KR" altLang="en-US" sz="1050" dirty="0" err="1">
-                <a:solidFill>
-                  <a:schemeClr val="tx1"/>
-                </a:solidFill>
+              <a:rPr lang="ko-KR" altLang="en-US" sz="1500" b="1" dirty="0" err="1">
+                <a:solidFill>
+                  <a:schemeClr val="tx1"/>
+                </a:solidFill>
+                <a:latin typeface="+mn-ea"/>
               </a:rPr>
               <a:t>히트맵</a:t>
             </a:r>
             <a:r>
-              <a:rPr lang="ko-KR" altLang="en-US" sz="1050" dirty="0">
-                <a:solidFill>
-                  <a:schemeClr val="tx1"/>
-                </a:solidFill>
+              <a:rPr lang="ko-KR" altLang="en-US" sz="1500" b="1" dirty="0">
+                <a:solidFill>
+                  <a:schemeClr val="tx1"/>
+                </a:solidFill>
+                <a:latin typeface="+mn-ea"/>
               </a:rPr>
               <a:t> 구현</a:t>
             </a:r>
-            <a:endParaRPr lang="en-US" altLang="ko-KR" sz="1050" dirty="0">
+            <a:endParaRPr lang="en-US" altLang="ko-KR" sz="1500" b="1" dirty="0">
               <a:solidFill>
                 <a:schemeClr val="tx1"/>
               </a:solidFill>
+              <a:latin typeface="+mn-ea"/>
             </a:endParaRPr>
           </a:p>
           <a:p>
             <a:r>
-              <a:rPr lang="en-US" altLang="ko-KR" sz="1050" dirty="0">
-                <a:solidFill>
-                  <a:schemeClr val="tx1"/>
-                </a:solidFill>
+              <a:rPr lang="en-US" altLang="ko-KR" sz="1500" b="1" dirty="0">
+                <a:solidFill>
+                  <a:schemeClr val="tx1"/>
+                </a:solidFill>
+                <a:latin typeface="+mn-ea"/>
               </a:rPr>
               <a:t>4. </a:t>
             </a:r>
             <a:r>
-              <a:rPr lang="ko-KR" altLang="en-US" sz="1050" dirty="0">
-                <a:solidFill>
-                  <a:schemeClr val="tx1"/>
-                </a:solidFill>
+              <a:rPr lang="ko-KR" altLang="en-US" sz="1500" b="1" dirty="0">
+                <a:solidFill>
+                  <a:schemeClr val="tx1"/>
+                </a:solidFill>
+                <a:latin typeface="+mn-ea"/>
               </a:rPr>
               <a:t>선수 평균속도</a:t>
             </a:r>
-            <a:endParaRPr lang="en-US" altLang="ko-KR" sz="1050" dirty="0">
+            <a:endParaRPr lang="en-US" altLang="ko-KR" sz="1500" b="1" dirty="0">
               <a:solidFill>
                 <a:schemeClr val="tx1"/>
               </a:solidFill>
+              <a:latin typeface="+mn-ea"/>
             </a:endParaRPr>
           </a:p>
           <a:p>
             <a:r>
-              <a:rPr lang="en-US" altLang="ko-KR" sz="1050" dirty="0">
-                <a:solidFill>
-                  <a:schemeClr val="tx1"/>
-                </a:solidFill>
+              <a:rPr lang="en-US" altLang="ko-KR" sz="1500" b="1" dirty="0">
+                <a:solidFill>
+                  <a:schemeClr val="tx1"/>
+                </a:solidFill>
+                <a:latin typeface="+mn-ea"/>
               </a:rPr>
               <a:t>5. </a:t>
             </a:r>
             <a:r>
-              <a:rPr lang="ko-KR" altLang="en-US" sz="1050" dirty="0">
-                <a:solidFill>
-                  <a:schemeClr val="tx1"/>
-                </a:solidFill>
+              <a:rPr lang="ko-KR" altLang="en-US" sz="1500" b="1" dirty="0">
+                <a:solidFill>
+                  <a:schemeClr val="tx1"/>
+                </a:solidFill>
+                <a:latin typeface="+mn-ea"/>
               </a:rPr>
               <a:t>선수 체력 변화</a:t>
             </a:r>
-            <a:endParaRPr lang="en-US" altLang="ko-KR" sz="1050" dirty="0">
+            <a:endParaRPr lang="en-US" altLang="ko-KR" sz="1500" b="1" dirty="0">
               <a:solidFill>
                 <a:schemeClr val="tx1"/>
               </a:solidFill>
+              <a:latin typeface="+mn-ea"/>
             </a:endParaRPr>
           </a:p>
           <a:p>
             <a:r>
-              <a:rPr lang="en-US" altLang="ko-KR" sz="1050" dirty="0">
-                <a:solidFill>
-                  <a:schemeClr val="tx1"/>
-                </a:solidFill>
+              <a:rPr lang="en-US" altLang="ko-KR" sz="1500" b="1" dirty="0">
+                <a:solidFill>
+                  <a:schemeClr val="tx1"/>
+                </a:solidFill>
+                <a:latin typeface="+mn-ea"/>
               </a:rPr>
               <a:t>6. </a:t>
             </a:r>
             <a:r>
-              <a:rPr lang="ko-KR" altLang="en-US" sz="1050" dirty="0">
-                <a:solidFill>
-                  <a:schemeClr val="tx1"/>
-                </a:solidFill>
+              <a:rPr lang="ko-KR" altLang="en-US" sz="1500" b="1" dirty="0">
+                <a:solidFill>
+                  <a:schemeClr val="tx1"/>
+                </a:solidFill>
+                <a:latin typeface="+mn-ea"/>
               </a:rPr>
               <a:t>선수 소모 칼로리</a:t>
             </a:r>
-            <a:endParaRPr lang="en-US" altLang="ko-KR" sz="1050" dirty="0">
+            <a:endParaRPr lang="en-US" altLang="ko-KR" sz="1500" b="1" dirty="0">
               <a:solidFill>
                 <a:schemeClr val="tx1"/>
               </a:solidFill>
+              <a:latin typeface="+mn-ea"/>
             </a:endParaRPr>
           </a:p>
           <a:p>
             <a:r>
-              <a:rPr lang="en-US" altLang="ko-KR" sz="1050" dirty="0">
-                <a:solidFill>
-                  <a:schemeClr val="tx1"/>
-                </a:solidFill>
+              <a:rPr lang="en-US" altLang="ko-KR" sz="1500" b="1" dirty="0">
+                <a:solidFill>
+                  <a:schemeClr val="tx1"/>
+                </a:solidFill>
+                <a:latin typeface="+mn-ea"/>
               </a:rPr>
               <a:t>7. </a:t>
             </a:r>
             <a:r>
-              <a:rPr lang="ko-KR" altLang="en-US" sz="1050" dirty="0">
-                <a:solidFill>
-                  <a:schemeClr val="tx1"/>
-                </a:solidFill>
+              <a:rPr lang="ko-KR" altLang="en-US" sz="1500" b="1" dirty="0">
+                <a:solidFill>
+                  <a:schemeClr val="tx1"/>
+                </a:solidFill>
+                <a:latin typeface="+mn-ea"/>
               </a:rPr>
               <a:t>세트당 선수 최고 속력</a:t>
             </a:r>
-            <a:endParaRPr lang="ko-KR" altLang="en-US" dirty="0"/>
+            <a:endParaRPr lang="ko-KR" altLang="en-US" sz="1500" b="1" dirty="0">
+              <a:latin typeface="+mn-ea"/>
+            </a:endParaRPr>
           </a:p>
         </p:txBody>
       </p:sp>
@@ -4672,58 +4765,65 @@
               <a:buAutoNum type="arabicPeriod"/>
             </a:pPr>
             <a:r>
-              <a:rPr lang="en-US" altLang="ko-KR" sz="1100" dirty="0" err="1">
-                <a:solidFill>
-                  <a:schemeClr val="tx1"/>
-                </a:solidFill>
+              <a:rPr lang="en-US" altLang="ko-KR" sz="1050" b="1" dirty="0" err="1">
+                <a:solidFill>
+                  <a:schemeClr val="tx1"/>
+                </a:solidFill>
+                <a:latin typeface="+mn-ea"/>
               </a:rPr>
               <a:t>Opencv</a:t>
             </a:r>
             <a:r>
-              <a:rPr lang="ko-KR" altLang="en-US" sz="1100" dirty="0">
-                <a:solidFill>
-                  <a:schemeClr val="tx1"/>
-                </a:solidFill>
+              <a:rPr lang="ko-KR" altLang="en-US" sz="1050" b="1" dirty="0">
+                <a:solidFill>
+                  <a:schemeClr val="tx1"/>
+                </a:solidFill>
+                <a:latin typeface="+mn-ea"/>
               </a:rPr>
               <a:t>를 이용해 공</a:t>
             </a:r>
             <a:r>
-              <a:rPr lang="en-US" altLang="ko-KR" sz="1100" dirty="0">
-                <a:solidFill>
-                  <a:schemeClr val="tx1"/>
-                </a:solidFill>
+              <a:rPr lang="en-US" altLang="ko-KR" sz="1050" b="1" dirty="0">
+                <a:solidFill>
+                  <a:schemeClr val="tx1"/>
+                </a:solidFill>
+                <a:latin typeface="+mn-ea"/>
               </a:rPr>
               <a:t>,</a:t>
             </a:r>
             <a:r>
-              <a:rPr lang="ko-KR" altLang="en-US" sz="1100" dirty="0">
-                <a:solidFill>
-                  <a:schemeClr val="tx1"/>
-                </a:solidFill>
+              <a:rPr lang="ko-KR" altLang="en-US" sz="1050" b="1" dirty="0">
+                <a:solidFill>
+                  <a:schemeClr val="tx1"/>
+                </a:solidFill>
+                <a:latin typeface="+mn-ea"/>
               </a:rPr>
               <a:t>선수 위치를 </a:t>
             </a:r>
             <a:r>
-              <a:rPr lang="ko-KR" altLang="en-US" sz="1100" dirty="0" err="1">
-                <a:solidFill>
-                  <a:schemeClr val="tx1"/>
-                </a:solidFill>
+              <a:rPr lang="ko-KR" altLang="en-US" sz="1050" b="1" dirty="0" err="1">
+                <a:solidFill>
+                  <a:schemeClr val="tx1"/>
+                </a:solidFill>
+                <a:latin typeface="+mn-ea"/>
               </a:rPr>
               <a:t>트래킹하여</a:t>
             </a:r>
             <a:r>
-              <a:rPr lang="ko-KR" altLang="en-US" sz="1100" dirty="0">
-                <a:solidFill>
-                  <a:schemeClr val="tx1"/>
-                </a:solidFill>
+              <a:rPr lang="ko-KR" altLang="en-US" sz="1050" b="1" dirty="0">
+                <a:solidFill>
+                  <a:schemeClr val="tx1"/>
+                </a:solidFill>
+                <a:latin typeface="+mn-ea"/>
               </a:rPr>
               <a:t> 데이터 얻음</a:t>
             </a:r>
             <a:r>
-              <a:rPr lang="en-US" altLang="ko-KR" sz="1100" dirty="0">
-                <a:solidFill>
-                  <a:schemeClr val="tx1"/>
-                </a:solidFill>
+              <a:rPr lang="en-US" altLang="ko-KR" sz="1050" b="1" dirty="0">
+                <a:solidFill>
+                  <a:schemeClr val="tx1"/>
+                </a:solidFill>
+                <a:latin typeface="+mn-ea"/>
               </a:rPr>
               <a:t>.</a:t>
             </a:r>
@@ -4733,34 +4833,38 @@
               <a:buAutoNum type="arabicPeriod"/>
             </a:pPr>
             <a:r>
-              <a:rPr lang="ko-KR" altLang="en-US" sz="1100" dirty="0">
-                <a:solidFill>
-                  <a:schemeClr val="tx1"/>
-                </a:solidFill>
+              <a:rPr lang="ko-KR" altLang="en-US" sz="1050" b="1" dirty="0">
+                <a:solidFill>
+                  <a:schemeClr val="tx1"/>
+                </a:solidFill>
+                <a:latin typeface="+mn-ea"/>
               </a:rPr>
               <a:t>분석을 하기위한 </a:t>
             </a:r>
             <a:r>
-              <a:rPr lang="en-US" altLang="ko-KR" sz="1100" dirty="0" err="1">
-                <a:solidFill>
-                  <a:schemeClr val="tx1"/>
-                </a:solidFill>
+              <a:rPr lang="en-US" altLang="ko-KR" sz="1050" b="1" dirty="0" err="1">
+                <a:solidFill>
+                  <a:schemeClr val="tx1"/>
+                </a:solidFill>
+                <a:latin typeface="+mn-ea"/>
               </a:rPr>
               <a:t>gui</a:t>
             </a:r>
             <a:r>
-              <a:rPr lang="ko-KR" altLang="en-US" sz="1100" dirty="0">
-                <a:solidFill>
-                  <a:schemeClr val="tx1"/>
-                </a:solidFill>
+              <a:rPr lang="ko-KR" altLang="en-US" sz="1050" b="1" dirty="0">
+                <a:solidFill>
+                  <a:schemeClr val="tx1"/>
+                </a:solidFill>
+                <a:latin typeface="+mn-ea"/>
               </a:rPr>
               <a:t>생성</a:t>
             </a:r>
             <a:r>
-              <a:rPr lang="en-US" altLang="ko-KR" sz="1100" dirty="0">
-                <a:solidFill>
-                  <a:schemeClr val="tx1"/>
-                </a:solidFill>
+              <a:rPr lang="en-US" altLang="ko-KR" sz="1050" b="1" dirty="0">
+                <a:solidFill>
+                  <a:schemeClr val="tx1"/>
+                </a:solidFill>
+                <a:latin typeface="+mn-ea"/>
               </a:rPr>
               <a:t>.</a:t>
             </a:r>
@@ -4770,42 +4874,47 @@
               <a:buAutoNum type="arabicPeriod"/>
             </a:pPr>
             <a:r>
-              <a:rPr lang="ko-KR" altLang="en-US" sz="1100" dirty="0" err="1">
-                <a:solidFill>
-                  <a:schemeClr val="tx1"/>
-                </a:solidFill>
+              <a:rPr lang="ko-KR" altLang="en-US" sz="1050" b="1" dirty="0" err="1">
+                <a:solidFill>
+                  <a:schemeClr val="tx1"/>
+                </a:solidFill>
+                <a:latin typeface="+mn-ea"/>
               </a:rPr>
               <a:t>트래킹하여</a:t>
             </a:r>
             <a:r>
-              <a:rPr lang="ko-KR" altLang="en-US" sz="1100" dirty="0">
-                <a:solidFill>
-                  <a:schemeClr val="tx1"/>
-                </a:solidFill>
+              <a:rPr lang="ko-KR" altLang="en-US" sz="1050" b="1" dirty="0">
+                <a:solidFill>
+                  <a:schemeClr val="tx1"/>
+                </a:solidFill>
+                <a:latin typeface="+mn-ea"/>
               </a:rPr>
               <a:t> 얻은 좌표데이터와 선수 프로필을 이용해</a:t>
             </a:r>
             <a:r>
-              <a:rPr lang="en-US" altLang="ko-KR" sz="1100" dirty="0">
-                <a:solidFill>
-                  <a:schemeClr val="tx1"/>
-                </a:solidFill>
+              <a:rPr lang="en-US" altLang="ko-KR" sz="1050" b="1" dirty="0">
+                <a:solidFill>
+                  <a:schemeClr val="tx1"/>
+                </a:solidFill>
+                <a:latin typeface="+mn-ea"/>
               </a:rPr>
               <a:t> </a:t>
             </a:r>
             <a:r>
-              <a:rPr lang="ko-KR" altLang="en-US" sz="1100" dirty="0">
-                <a:solidFill>
-                  <a:schemeClr val="tx1"/>
-                </a:solidFill>
+              <a:rPr lang="ko-KR" altLang="en-US" sz="1050" b="1" dirty="0">
+                <a:solidFill>
+                  <a:schemeClr val="tx1"/>
+                </a:solidFill>
+                <a:latin typeface="+mn-ea"/>
               </a:rPr>
               <a:t>데이터를 가공</a:t>
             </a:r>
             <a:r>
-              <a:rPr lang="en-US" altLang="ko-KR" sz="1100" dirty="0">
-                <a:solidFill>
-                  <a:schemeClr val="tx1"/>
-                </a:solidFill>
+              <a:rPr lang="en-US" altLang="ko-KR" sz="1050" b="1" dirty="0">
+                <a:solidFill>
+                  <a:schemeClr val="tx1"/>
+                </a:solidFill>
+                <a:latin typeface="+mn-ea"/>
               </a:rPr>
               <a:t>.</a:t>
             </a:r>
@@ -4857,7 +4966,7 @@
           <p:nvPr>
             <p:extLst>
               <p:ext uri="{D42A27DB-BD31-4B8C-83A1-F6EECF244321}">
-                <p14:modId xmlns:p14="http://schemas.microsoft.com/office/powerpoint/2010/main" val="3914459145"/>
+                <p14:modId xmlns:p14="http://schemas.microsoft.com/office/powerpoint/2010/main" val="2147772835"/>
               </p:ext>
             </p:extLst>
           </p:nvPr>
@@ -6466,15 +6575,7 @@
                       <a:pPr latinLnBrk="1"/>
                       <a:r>
                         <a:rPr lang="en-US" altLang="ko-KR" sz="1400" dirty="0"/>
-                        <a:t>Final (</a:t>
-                      </a:r>
-                      <a:r>
-                        <a:rPr lang="ko-KR" altLang="en-US" sz="1400" dirty="0"/>
-                        <a:t>시간 휴가 포함 안함</a:t>
-                      </a:r>
-                      <a:r>
-                        <a:rPr lang="en-US" altLang="ko-KR" sz="1400" dirty="0"/>
-                        <a:t>)</a:t>
+                        <a:t>Final </a:t>
                       </a:r>
                       <a:endParaRPr lang="ko-KR" altLang="en-US" sz="1400" dirty="0"/>
                     </a:p>
